--- a/project_proposal/Presentazione_Progetto_Tech_Web.pptx
+++ b/project_proposal/Presentazione_Progetto_Tech_Web.pptx
@@ -7457,7 +7457,7 @@
           <a:p>
             <a:r>
               <a:rPr lang="it-IT" dirty="0"/>
-              <a:t>Front-end side: HTML5 (con frameworks: Bootstrap), CSS3, JAVASCRIPT, Node.js</a:t>
+              <a:t>Front-end side: HTML5 (con frameworks: Bootstrap), CSS3, JAVASCRIPT</a:t>
             </a:r>
           </a:p>
           <a:p>
